--- a/Presentacion/PresentacionTallerIngSoft2014.pptx
+++ b/Presentacion/PresentacionTallerIngSoft2014.pptx
@@ -5,7 +5,7 @@
     <p:sldMasterId id="2147483660" r:id="rId1"/>
   </p:sldMasterIdLst>
   <p:notesMasterIdLst>
-    <p:notesMasterId r:id="rId16"/>
+    <p:notesMasterId r:id="rId17"/>
   </p:notesMasterIdLst>
   <p:sldIdLst>
     <p:sldId id="256" r:id="rId2"/>
@@ -18,10 +18,11 @@
     <p:sldId id="262" r:id="rId9"/>
     <p:sldId id="263" r:id="rId10"/>
     <p:sldId id="266" r:id="rId11"/>
-    <p:sldId id="270" r:id="rId12"/>
-    <p:sldId id="265" r:id="rId13"/>
-    <p:sldId id="267" r:id="rId14"/>
-    <p:sldId id="268" r:id="rId15"/>
+    <p:sldId id="271" r:id="rId12"/>
+    <p:sldId id="270" r:id="rId13"/>
+    <p:sldId id="265" r:id="rId14"/>
+    <p:sldId id="267" r:id="rId15"/>
+    <p:sldId id="268" r:id="rId16"/>
   </p:sldIdLst>
   <p:sldSz cx="12192000" cy="6858000"/>
   <p:notesSz cx="6858000" cy="9144000"/>
@@ -3557,23 +3558,23 @@
     </dgm:pt>
   </dgm:ptLst>
   <dgm:cxnLst>
+    <dgm:cxn modelId="{F787207D-6201-46FC-A7B8-2826D722B396}" srcId="{466EB409-33E6-41F6-8156-40A924F49DAE}" destId="{29F68B42-FB29-4DB6-9CFB-9D4282F4E9BE}" srcOrd="3" destOrd="0" parTransId="{45756D9A-BC82-4221-9245-08294E59C188}" sibTransId="{6D72EC28-2D39-45FC-97FB-23BB94210FFE}"/>
+    <dgm:cxn modelId="{DD1344F4-3EB9-4C95-BE5B-6F7CC6104F0C}" srcId="{506F7A27-781A-40CD-994A-BC01A0D552CF}" destId="{6E19C9F8-5500-4A3C-AFF2-9DE1E2AA1E06}" srcOrd="0" destOrd="0" parTransId="{A809806C-B52C-45FF-9FF3-27A175717770}" sibTransId="{82A1EA8A-AA9F-4A19-B266-3192CB0A9335}"/>
+    <dgm:cxn modelId="{2AB890C4-05BE-4648-BA22-233F1A898708}" type="presOf" srcId="{29F68B42-FB29-4DB6-9CFB-9D4282F4E9BE}" destId="{3D0EE9D9-4D83-4EF0-9AFE-AA44E4307863}" srcOrd="0" destOrd="0" presId="urn:microsoft.com/office/officeart/2005/8/layout/vList3"/>
+    <dgm:cxn modelId="{1621B9A5-CACD-42AB-BCEE-C0791A820F80}" type="presOf" srcId="{19C691EA-721E-4EFE-B713-2CAF1F2CF149}" destId="{E4757EC7-F632-4E21-A82E-3D35AD1B7C94}" srcOrd="0" destOrd="0" presId="urn:microsoft.com/office/officeart/2005/8/layout/vList3"/>
+    <dgm:cxn modelId="{EF9DE170-E432-4F24-9422-6C0329D46B91}" srcId="{466EB409-33E6-41F6-8156-40A924F49DAE}" destId="{506F7A27-781A-40CD-994A-BC01A0D552CF}" srcOrd="2" destOrd="0" parTransId="{7DD98B4E-D973-471B-ABC6-6F75AE387627}" sibTransId="{C39BAE7D-7BDC-4F40-9769-6A99BF046063}"/>
+    <dgm:cxn modelId="{6B306A72-0BB3-4BEE-B7B8-E43C84621376}" type="presOf" srcId="{506F7A27-781A-40CD-994A-BC01A0D552CF}" destId="{B4595348-008C-4126-B8BA-1AE798A54DD4}" srcOrd="0" destOrd="0" presId="urn:microsoft.com/office/officeart/2005/8/layout/vList3"/>
     <dgm:cxn modelId="{76E51D3E-1AED-4AE4-A861-4D0F0D556AFD}" type="presOf" srcId="{28A816CE-1F2A-4A9B-A918-480ACBD9FE9F}" destId="{DC9313BF-9C70-45B3-8330-9906F85872CE}" srcOrd="0" destOrd="0" presId="urn:microsoft.com/office/officeart/2005/8/layout/vList3"/>
-    <dgm:cxn modelId="{DD1344F4-3EB9-4C95-BE5B-6F7CC6104F0C}" srcId="{506F7A27-781A-40CD-994A-BC01A0D552CF}" destId="{6E19C9F8-5500-4A3C-AFF2-9DE1E2AA1E06}" srcOrd="0" destOrd="0" parTransId="{A809806C-B52C-45FF-9FF3-27A175717770}" sibTransId="{82A1EA8A-AA9F-4A19-B266-3192CB0A9335}"/>
-    <dgm:cxn modelId="{EF9DE170-E432-4F24-9422-6C0329D46B91}" srcId="{466EB409-33E6-41F6-8156-40A924F49DAE}" destId="{506F7A27-781A-40CD-994A-BC01A0D552CF}" srcOrd="2" destOrd="0" parTransId="{7DD98B4E-D973-471B-ABC6-6F75AE387627}" sibTransId="{C39BAE7D-7BDC-4F40-9769-6A99BF046063}"/>
     <dgm:cxn modelId="{587E244D-7988-4DEE-B6D0-36E7834236DD}" type="presOf" srcId="{466EB409-33E6-41F6-8156-40A924F49DAE}" destId="{C0E3F8FB-9C3C-40D0-B320-506A2F85C45F}" srcOrd="0" destOrd="0" presId="urn:microsoft.com/office/officeart/2005/8/layout/vList3"/>
-    <dgm:cxn modelId="{1621B9A5-CACD-42AB-BCEE-C0791A820F80}" type="presOf" srcId="{19C691EA-721E-4EFE-B713-2CAF1F2CF149}" destId="{E4757EC7-F632-4E21-A82E-3D35AD1B7C94}" srcOrd="0" destOrd="0" presId="urn:microsoft.com/office/officeart/2005/8/layout/vList3"/>
+    <dgm:cxn modelId="{ED60B0D0-517C-4C8D-B7D6-3BF4D3B7097B}" type="presOf" srcId="{31FBE6EB-CA65-4925-8A6F-E0963E3AFC5C}" destId="{3D0EE9D9-4D83-4EF0-9AFE-AA44E4307863}" srcOrd="0" destOrd="1" presId="urn:microsoft.com/office/officeart/2005/8/layout/vList3"/>
+    <dgm:cxn modelId="{0B4586BC-CFC1-4070-838A-8855198527D3}" srcId="{29F68B42-FB29-4DB6-9CFB-9D4282F4E9BE}" destId="{31FBE6EB-CA65-4925-8A6F-E0963E3AFC5C}" srcOrd="0" destOrd="0" parTransId="{3EE51A91-7A39-4A5D-B00B-F1F636D82EBC}" sibTransId="{260984DB-E232-4C9E-9553-13BD4FAE59D9}"/>
     <dgm:cxn modelId="{A49C3C3B-343D-4952-BB82-7F7459C6FEA2}" type="presOf" srcId="{6E19C9F8-5500-4A3C-AFF2-9DE1E2AA1E06}" destId="{B4595348-008C-4126-B8BA-1AE798A54DD4}" srcOrd="0" destOrd="1" presId="urn:microsoft.com/office/officeart/2005/8/layout/vList3"/>
+    <dgm:cxn modelId="{50449A0F-12B0-4E81-A0F8-922D1FD6E43F}" type="presOf" srcId="{B066E2AA-3C07-4072-9C13-77F5EA05E52A}" destId="{DC9313BF-9C70-45B3-8330-9906F85872CE}" srcOrd="0" destOrd="1" presId="urn:microsoft.com/office/officeart/2005/8/layout/vList3"/>
+    <dgm:cxn modelId="{3E05DC80-C70E-46D3-9309-DBAA5EF9FE20}" srcId="{466EB409-33E6-41F6-8156-40A924F49DAE}" destId="{19C691EA-721E-4EFE-B713-2CAF1F2CF149}" srcOrd="1" destOrd="0" parTransId="{A5D7994F-81E8-4C76-BBF2-677D3A5796EB}" sibTransId="{1ED371A7-D938-43BE-BF4B-A9A7C7755A53}"/>
+    <dgm:cxn modelId="{3960F980-2F9E-416F-AAFD-B0759AD16952}" type="presOf" srcId="{7694914D-A8B4-470A-A15B-745380D8F287}" destId="{E4757EC7-F632-4E21-A82E-3D35AD1B7C94}" srcOrd="0" destOrd="1" presId="urn:microsoft.com/office/officeart/2005/8/layout/vList3"/>
+    <dgm:cxn modelId="{EC1D2D0A-0B45-4334-8F20-5DBD1ABA49EA}" srcId="{19C691EA-721E-4EFE-B713-2CAF1F2CF149}" destId="{7694914D-A8B4-470A-A15B-745380D8F287}" srcOrd="0" destOrd="0" parTransId="{616FEC27-44DF-46EF-A056-5DD97A37C0BF}" sibTransId="{7C48A1FB-A659-469E-A9A9-9B0BE494957D}"/>
+    <dgm:cxn modelId="{D7AD0E6B-6148-492E-B053-980FA44F1400}" srcId="{466EB409-33E6-41F6-8156-40A924F49DAE}" destId="{28A816CE-1F2A-4A9B-A918-480ACBD9FE9F}" srcOrd="0" destOrd="0" parTransId="{1CAA9A1F-3FE7-4C89-9BF5-827553C3FF46}" sibTransId="{80EF6168-3192-4748-99F6-5DF980A44268}"/>
     <dgm:cxn modelId="{EF09B887-5447-41F3-9AA4-2171973FD651}" srcId="{28A816CE-1F2A-4A9B-A918-480ACBD9FE9F}" destId="{B066E2AA-3C07-4072-9C13-77F5EA05E52A}" srcOrd="0" destOrd="0" parTransId="{70350A88-8E05-4E62-A64C-F83308E5B410}" sibTransId="{28F16D39-E3AC-4E07-A7AE-88A762627A2D}"/>
-    <dgm:cxn modelId="{50449A0F-12B0-4E81-A0F8-922D1FD6E43F}" type="presOf" srcId="{B066E2AA-3C07-4072-9C13-77F5EA05E52A}" destId="{DC9313BF-9C70-45B3-8330-9906F85872CE}" srcOrd="0" destOrd="1" presId="urn:microsoft.com/office/officeart/2005/8/layout/vList3"/>
-    <dgm:cxn modelId="{EC1D2D0A-0B45-4334-8F20-5DBD1ABA49EA}" srcId="{19C691EA-721E-4EFE-B713-2CAF1F2CF149}" destId="{7694914D-A8B4-470A-A15B-745380D8F287}" srcOrd="0" destOrd="0" parTransId="{616FEC27-44DF-46EF-A056-5DD97A37C0BF}" sibTransId="{7C48A1FB-A659-469E-A9A9-9B0BE494957D}"/>
-    <dgm:cxn modelId="{2AB890C4-05BE-4648-BA22-233F1A898708}" type="presOf" srcId="{29F68B42-FB29-4DB6-9CFB-9D4282F4E9BE}" destId="{3D0EE9D9-4D83-4EF0-9AFE-AA44E4307863}" srcOrd="0" destOrd="0" presId="urn:microsoft.com/office/officeart/2005/8/layout/vList3"/>
-    <dgm:cxn modelId="{6B306A72-0BB3-4BEE-B7B8-E43C84621376}" type="presOf" srcId="{506F7A27-781A-40CD-994A-BC01A0D552CF}" destId="{B4595348-008C-4126-B8BA-1AE798A54DD4}" srcOrd="0" destOrd="0" presId="urn:microsoft.com/office/officeart/2005/8/layout/vList3"/>
-    <dgm:cxn modelId="{D7AD0E6B-6148-492E-B053-980FA44F1400}" srcId="{466EB409-33E6-41F6-8156-40A924F49DAE}" destId="{28A816CE-1F2A-4A9B-A918-480ACBD9FE9F}" srcOrd="0" destOrd="0" parTransId="{1CAA9A1F-3FE7-4C89-9BF5-827553C3FF46}" sibTransId="{80EF6168-3192-4748-99F6-5DF980A44268}"/>
-    <dgm:cxn modelId="{3960F980-2F9E-416F-AAFD-B0759AD16952}" type="presOf" srcId="{7694914D-A8B4-470A-A15B-745380D8F287}" destId="{E4757EC7-F632-4E21-A82E-3D35AD1B7C94}" srcOrd="0" destOrd="1" presId="urn:microsoft.com/office/officeart/2005/8/layout/vList3"/>
-    <dgm:cxn modelId="{F787207D-6201-46FC-A7B8-2826D722B396}" srcId="{466EB409-33E6-41F6-8156-40A924F49DAE}" destId="{29F68B42-FB29-4DB6-9CFB-9D4282F4E9BE}" srcOrd="3" destOrd="0" parTransId="{45756D9A-BC82-4221-9245-08294E59C188}" sibTransId="{6D72EC28-2D39-45FC-97FB-23BB94210FFE}"/>
-    <dgm:cxn modelId="{ED60B0D0-517C-4C8D-B7D6-3BF4D3B7097B}" type="presOf" srcId="{31FBE6EB-CA65-4925-8A6F-E0963E3AFC5C}" destId="{3D0EE9D9-4D83-4EF0-9AFE-AA44E4307863}" srcOrd="0" destOrd="1" presId="urn:microsoft.com/office/officeart/2005/8/layout/vList3"/>
-    <dgm:cxn modelId="{3E05DC80-C70E-46D3-9309-DBAA5EF9FE20}" srcId="{466EB409-33E6-41F6-8156-40A924F49DAE}" destId="{19C691EA-721E-4EFE-B713-2CAF1F2CF149}" srcOrd="1" destOrd="0" parTransId="{A5D7994F-81E8-4C76-BBF2-677D3A5796EB}" sibTransId="{1ED371A7-D938-43BE-BF4B-A9A7C7755A53}"/>
-    <dgm:cxn modelId="{0B4586BC-CFC1-4070-838A-8855198527D3}" srcId="{29F68B42-FB29-4DB6-9CFB-9D4282F4E9BE}" destId="{31FBE6EB-CA65-4925-8A6F-E0963E3AFC5C}" srcOrd="0" destOrd="0" parTransId="{3EE51A91-7A39-4A5D-B00B-F1F636D82EBC}" sibTransId="{260984DB-E232-4C9E-9553-13BD4FAE59D9}"/>
     <dgm:cxn modelId="{8F1E22FE-F492-4FD4-A800-AFC0F0697E5C}" type="presParOf" srcId="{C0E3F8FB-9C3C-40D0-B320-506A2F85C45F}" destId="{0E3D7471-4933-4938-950C-7BA905F081AE}" srcOrd="0" destOrd="0" presId="urn:microsoft.com/office/officeart/2005/8/layout/vList3"/>
     <dgm:cxn modelId="{F1B81867-EC88-4C87-B600-1126D2ADBEAB}" type="presParOf" srcId="{0E3D7471-4933-4938-950C-7BA905F081AE}" destId="{746046B1-0383-4A7B-A0DB-CAA383024208}" srcOrd="0" destOrd="0" presId="urn:microsoft.com/office/officeart/2005/8/layout/vList3"/>
     <dgm:cxn modelId="{172BD3C0-D30B-41D4-8B0E-1D77891C0FA1}" type="presParOf" srcId="{0E3D7471-4933-4938-950C-7BA905F081AE}" destId="{DC9313BF-9C70-45B3-8330-9906F85872CE}" srcOrd="1" destOrd="0" presId="urn:microsoft.com/office/officeart/2005/8/layout/vList3"/>
@@ -4134,312 +4135,6 @@
       <dsp:cNvGrpSpPr/>
     </dsp:nvGrpSpPr>
     <dsp:grpSpPr/>
-    <dsp:sp modelId="{212F808D-ABF0-4120-8461-4EAD67677525}">
-      <dsp:nvSpPr>
-        <dsp:cNvPr id="0" name=""/>
-        <dsp:cNvSpPr/>
-      </dsp:nvSpPr>
-      <dsp:spPr>
-        <a:xfrm>
-          <a:off x="1049" y="712590"/>
-          <a:ext cx="4092652" cy="2455591"/>
-        </a:xfrm>
-        <a:prstGeom prst="rect">
-          <a:avLst/>
-        </a:prstGeom>
-        <a:solidFill>
-          <a:schemeClr val="accent2">
-            <a:hueOff val="0"/>
-            <a:satOff val="0"/>
-            <a:lumOff val="0"/>
-            <a:alphaOff val="0"/>
-          </a:schemeClr>
-        </a:solidFill>
-        <a:ln w="25400" cap="rnd" cmpd="sng" algn="ctr">
-          <a:solidFill>
-            <a:schemeClr val="lt1">
-              <a:hueOff val="0"/>
-              <a:satOff val="0"/>
-              <a:lumOff val="0"/>
-              <a:alphaOff val="0"/>
-            </a:schemeClr>
-          </a:solidFill>
-          <a:prstDash val="solid"/>
-        </a:ln>
-        <a:effectLst/>
-      </dsp:spPr>
-      <dsp:style>
-        <a:lnRef idx="3">
-          <a:scrgbClr r="0" g="0" b="0"/>
-        </a:lnRef>
-        <a:fillRef idx="1">
-          <a:scrgbClr r="0" g="0" b="0"/>
-        </a:fillRef>
-        <a:effectRef idx="1">
-          <a:scrgbClr r="0" g="0" b="0"/>
-        </a:effectRef>
-        <a:fontRef idx="minor">
-          <a:schemeClr val="lt1"/>
-        </a:fontRef>
-      </dsp:style>
-      <dsp:txBody>
-        <a:bodyPr spcFirstLastPara="0" vert="horz" wrap="square" lIns="83820" tIns="83820" rIns="83820" bIns="83820" numCol="1" spcCol="1270" anchor="t" anchorCtr="0">
-          <a:noAutofit/>
-        </a:bodyPr>
-        <a:lstStyle/>
-        <a:p>
-          <a:pPr lvl="0" algn="l" defTabSz="977900" rtl="0">
-            <a:lnSpc>
-              <a:spcPct val="90000"/>
-            </a:lnSpc>
-            <a:spcBef>
-              <a:spcPct val="0"/>
-            </a:spcBef>
-            <a:spcAft>
-              <a:spcPct val="35000"/>
-            </a:spcAft>
-          </a:pPr>
-          <a:r>
-            <a:rPr lang="es-CL" sz="2200" kern="1200" dirty="0" smtClean="0"/>
-            <a:t>Usuario</a:t>
-          </a:r>
-          <a:endParaRPr lang="es-CL" sz="2200" kern="1200" dirty="0"/>
-        </a:p>
-        <a:p>
-          <a:pPr marL="171450" lvl="1" indent="-171450" algn="l" defTabSz="755650" rtl="0">
-            <a:lnSpc>
-              <a:spcPct val="90000"/>
-            </a:lnSpc>
-            <a:spcBef>
-              <a:spcPct val="0"/>
-            </a:spcBef>
-            <a:spcAft>
-              <a:spcPct val="15000"/>
-            </a:spcAft>
-            <a:buChar char="••"/>
-          </a:pPr>
-          <a:r>
-            <a:rPr lang="es-CL" sz="1700" kern="1200" dirty="0" smtClean="0"/>
-            <a:t>Manejo de usuarios, evaluaciones, comunicaciones y anotaciones.</a:t>
-          </a:r>
-          <a:endParaRPr lang="es-CL" sz="1700" kern="1200" dirty="0"/>
-        </a:p>
-      </dsp:txBody>
-      <dsp:txXfrm>
-        <a:off x="1049" y="712590"/>
-        <a:ext cx="4092652" cy="2455591"/>
-      </dsp:txXfrm>
-    </dsp:sp>
-    <dsp:sp modelId="{237D7C89-5316-4587-A51C-D9D9C9A34C4D}">
-      <dsp:nvSpPr>
-        <dsp:cNvPr id="0" name=""/>
-        <dsp:cNvSpPr/>
-      </dsp:nvSpPr>
-      <dsp:spPr>
-        <a:xfrm>
-          <a:off x="4502966" y="712590"/>
-          <a:ext cx="4092652" cy="2455591"/>
-        </a:xfrm>
-        <a:prstGeom prst="rect">
-          <a:avLst/>
-        </a:prstGeom>
-        <a:solidFill>
-          <a:schemeClr val="accent3">
-            <a:hueOff val="0"/>
-            <a:satOff val="0"/>
-            <a:lumOff val="0"/>
-            <a:alphaOff val="0"/>
-          </a:schemeClr>
-        </a:solidFill>
-        <a:ln w="25400" cap="rnd" cmpd="sng" algn="ctr">
-          <a:solidFill>
-            <a:schemeClr val="lt1">
-              <a:hueOff val="0"/>
-              <a:satOff val="0"/>
-              <a:lumOff val="0"/>
-              <a:alphaOff val="0"/>
-            </a:schemeClr>
-          </a:solidFill>
-          <a:prstDash val="solid"/>
-        </a:ln>
-        <a:effectLst/>
-      </dsp:spPr>
-      <dsp:style>
-        <a:lnRef idx="3">
-          <a:scrgbClr r="0" g="0" b="0"/>
-        </a:lnRef>
-        <a:fillRef idx="1">
-          <a:scrgbClr r="0" g="0" b="0"/>
-        </a:fillRef>
-        <a:effectRef idx="1">
-          <a:scrgbClr r="0" g="0" b="0"/>
-        </a:effectRef>
-        <a:fontRef idx="minor">
-          <a:schemeClr val="lt1"/>
-        </a:fontRef>
-      </dsp:style>
-      <dsp:txBody>
-        <a:bodyPr spcFirstLastPara="0" vert="horz" wrap="square" lIns="83820" tIns="83820" rIns="83820" bIns="83820" numCol="1" spcCol="1270" anchor="t" anchorCtr="0">
-          <a:noAutofit/>
-        </a:bodyPr>
-        <a:lstStyle/>
-        <a:p>
-          <a:pPr lvl="0" algn="l" defTabSz="977900" rtl="0">
-            <a:lnSpc>
-              <a:spcPct val="90000"/>
-            </a:lnSpc>
-            <a:spcBef>
-              <a:spcPct val="0"/>
-            </a:spcBef>
-            <a:spcAft>
-              <a:spcPct val="35000"/>
-            </a:spcAft>
-          </a:pPr>
-          <a:r>
-            <a:rPr lang="es-CL" sz="2200" kern="1200" dirty="0" smtClean="0"/>
-            <a:t>Sistema</a:t>
-          </a:r>
-          <a:endParaRPr lang="es-CL" sz="2200" kern="1200" dirty="0"/>
-        </a:p>
-        <a:p>
-          <a:pPr marL="171450" lvl="1" indent="-171450" algn="l" defTabSz="755650" rtl="0">
-            <a:lnSpc>
-              <a:spcPct val="90000"/>
-            </a:lnSpc>
-            <a:spcBef>
-              <a:spcPct val="0"/>
-            </a:spcBef>
-            <a:spcAft>
-              <a:spcPct val="15000"/>
-            </a:spcAft>
-            <a:buChar char="••"/>
-          </a:pPr>
-          <a:r>
-            <a:rPr lang="es-CL" sz="1700" kern="1200" smtClean="0"/>
-            <a:t>Gestión de usuarios.</a:t>
-          </a:r>
-          <a:endParaRPr lang="es-CL" sz="1700" kern="1200"/>
-        </a:p>
-        <a:p>
-          <a:pPr marL="171450" lvl="1" indent="-171450" algn="l" defTabSz="755650" rtl="0">
-            <a:lnSpc>
-              <a:spcPct val="90000"/>
-            </a:lnSpc>
-            <a:spcBef>
-              <a:spcPct val="0"/>
-            </a:spcBef>
-            <a:spcAft>
-              <a:spcPct val="15000"/>
-            </a:spcAft>
-            <a:buChar char="••"/>
-          </a:pPr>
-          <a:r>
-            <a:rPr lang="es-CL" sz="1700" kern="1200" smtClean="0"/>
-            <a:t>Gestión de alumnos.</a:t>
-          </a:r>
-          <a:endParaRPr lang="es-CL" sz="1700" kern="1200"/>
-        </a:p>
-        <a:p>
-          <a:pPr marL="171450" lvl="1" indent="-171450" algn="l" defTabSz="755650" rtl="0">
-            <a:lnSpc>
-              <a:spcPct val="90000"/>
-            </a:lnSpc>
-            <a:spcBef>
-              <a:spcPct val="0"/>
-            </a:spcBef>
-            <a:spcAft>
-              <a:spcPct val="15000"/>
-            </a:spcAft>
-            <a:buChar char="••"/>
-          </a:pPr>
-          <a:r>
-            <a:rPr lang="es-CL" sz="1700" kern="1200" smtClean="0"/>
-            <a:t>Gestión de evaluaciones.</a:t>
-          </a:r>
-          <a:endParaRPr lang="es-CL" sz="1700" kern="1200"/>
-        </a:p>
-        <a:p>
-          <a:pPr marL="171450" lvl="1" indent="-171450" algn="l" defTabSz="755650" rtl="0">
-            <a:lnSpc>
-              <a:spcPct val="90000"/>
-            </a:lnSpc>
-            <a:spcBef>
-              <a:spcPct val="0"/>
-            </a:spcBef>
-            <a:spcAft>
-              <a:spcPct val="15000"/>
-            </a:spcAft>
-            <a:buChar char="••"/>
-          </a:pPr>
-          <a:r>
-            <a:rPr lang="es-CL" sz="1700" kern="1200" smtClean="0"/>
-            <a:t>Gestión de anotaciones.</a:t>
-          </a:r>
-          <a:endParaRPr lang="es-CL" sz="1700" kern="1200"/>
-        </a:p>
-        <a:p>
-          <a:pPr marL="171450" lvl="1" indent="-171450" algn="l" defTabSz="755650" rtl="0">
-            <a:lnSpc>
-              <a:spcPct val="90000"/>
-            </a:lnSpc>
-            <a:spcBef>
-              <a:spcPct val="0"/>
-            </a:spcBef>
-            <a:spcAft>
-              <a:spcPct val="15000"/>
-            </a:spcAft>
-            <a:buChar char="••"/>
-          </a:pPr>
-          <a:r>
-            <a:rPr lang="es-CL" sz="1700" kern="1200" smtClean="0"/>
-            <a:t>Gestión de comunicaciones.</a:t>
-          </a:r>
-          <a:endParaRPr lang="es-CL" sz="1700" kern="1200"/>
-        </a:p>
-        <a:p>
-          <a:pPr marL="171450" lvl="1" indent="-171450" algn="l" defTabSz="755650" rtl="0">
-            <a:lnSpc>
-              <a:spcPct val="90000"/>
-            </a:lnSpc>
-            <a:spcBef>
-              <a:spcPct val="0"/>
-            </a:spcBef>
-            <a:spcAft>
-              <a:spcPct val="15000"/>
-            </a:spcAft>
-            <a:buChar char="••"/>
-          </a:pPr>
-          <a:r>
-            <a:rPr lang="es-CL" sz="1700" kern="1200" smtClean="0"/>
-            <a:t>Gestión de cursos.</a:t>
-          </a:r>
-          <a:endParaRPr lang="es-CL" sz="1700" kern="1200"/>
-        </a:p>
-        <a:p>
-          <a:pPr marL="171450" lvl="1" indent="-171450" algn="l" defTabSz="755650" rtl="0">
-            <a:lnSpc>
-              <a:spcPct val="90000"/>
-            </a:lnSpc>
-            <a:spcBef>
-              <a:spcPct val="0"/>
-            </a:spcBef>
-            <a:spcAft>
-              <a:spcPct val="15000"/>
-            </a:spcAft>
-            <a:buChar char="••"/>
-          </a:pPr>
-          <a:r>
-            <a:rPr lang="es-CL" sz="1700" kern="1200" smtClean="0"/>
-            <a:t>Gestión de asignaturas.</a:t>
-          </a:r>
-          <a:endParaRPr lang="es-CL" sz="1700" kern="1200"/>
-        </a:p>
-      </dsp:txBody>
-      <dsp:txXfrm>
-        <a:off x="4502966" y="712590"/>
-        <a:ext cx="4092652" cy="2455591"/>
-      </dsp:txXfrm>
-    </dsp:sp>
   </dsp:spTree>
 </dsp:drawing>
 </file>
@@ -4452,602 +4147,6 @@
       <dsp:cNvGrpSpPr/>
     </dsp:nvGrpSpPr>
     <dsp:grpSpPr/>
-    <dsp:sp modelId="{DC9313BF-9C70-45B3-8330-9906F85872CE}">
-      <dsp:nvSpPr>
-        <dsp:cNvPr id="0" name=""/>
-        <dsp:cNvSpPr/>
-      </dsp:nvSpPr>
-      <dsp:spPr>
-        <a:xfrm rot="10800000">
-          <a:off x="1637863" y="2526"/>
-          <a:ext cx="5716784" cy="791686"/>
-        </a:xfrm>
-        <a:prstGeom prst="homePlate">
-          <a:avLst/>
-        </a:prstGeom>
-        <a:solidFill>
-          <a:schemeClr val="accent1">
-            <a:hueOff val="0"/>
-            <a:satOff val="0"/>
-            <a:lumOff val="0"/>
-            <a:alphaOff val="0"/>
-          </a:schemeClr>
-        </a:solidFill>
-        <a:ln w="19050" cap="rnd" cmpd="sng" algn="ctr">
-          <a:solidFill>
-            <a:schemeClr val="lt1">
-              <a:hueOff val="0"/>
-              <a:satOff val="0"/>
-              <a:lumOff val="0"/>
-              <a:alphaOff val="0"/>
-            </a:schemeClr>
-          </a:solidFill>
-          <a:prstDash val="solid"/>
-        </a:ln>
-        <a:effectLst/>
-      </dsp:spPr>
-      <dsp:style>
-        <a:lnRef idx="2">
-          <a:scrgbClr r="0" g="0" b="0"/>
-        </a:lnRef>
-        <a:fillRef idx="1">
-          <a:scrgbClr r="0" g="0" b="0"/>
-        </a:fillRef>
-        <a:effectRef idx="0">
-          <a:scrgbClr r="0" g="0" b="0"/>
-        </a:effectRef>
-        <a:fontRef idx="minor">
-          <a:schemeClr val="lt1"/>
-        </a:fontRef>
-      </dsp:style>
-      <dsp:txBody>
-        <a:bodyPr spcFirstLastPara="0" vert="horz" wrap="square" lIns="349112" tIns="80010" rIns="149352" bIns="80010" numCol="1" spcCol="1270" anchor="t" anchorCtr="0">
-          <a:noAutofit/>
-        </a:bodyPr>
-        <a:lstStyle/>
-        <a:p>
-          <a:pPr lvl="0" algn="l" defTabSz="933450" rtl="0">
-            <a:lnSpc>
-              <a:spcPct val="90000"/>
-            </a:lnSpc>
-            <a:spcBef>
-              <a:spcPct val="0"/>
-            </a:spcBef>
-            <a:spcAft>
-              <a:spcPct val="35000"/>
-            </a:spcAft>
-          </a:pPr>
-          <a:r>
-            <a:rPr lang="es-CL" sz="2100" kern="1200" dirty="0" err="1" smtClean="0"/>
-            <a:t>Titanium</a:t>
-          </a:r>
-          <a:r>
-            <a:rPr lang="es-CL" sz="2100" kern="1200" dirty="0" smtClean="0"/>
-            <a:t> SDK</a:t>
-          </a:r>
-          <a:endParaRPr lang="es-CL" sz="2100" kern="1200" dirty="0"/>
-        </a:p>
-        <a:p>
-          <a:pPr marL="171450" lvl="1" indent="-171450" algn="l" defTabSz="711200" rtl="0">
-            <a:lnSpc>
-              <a:spcPct val="90000"/>
-            </a:lnSpc>
-            <a:spcBef>
-              <a:spcPct val="0"/>
-            </a:spcBef>
-            <a:spcAft>
-              <a:spcPct val="15000"/>
-            </a:spcAft>
-            <a:buChar char="••"/>
-          </a:pPr>
-          <a:r>
-            <a:rPr lang="es-CL" sz="1600" kern="1200" smtClean="0"/>
-            <a:t>Aplicación Android.</a:t>
-          </a:r>
-          <a:endParaRPr lang="es-CL" sz="1600" kern="1200"/>
-        </a:p>
-      </dsp:txBody>
-      <dsp:txXfrm rot="10800000">
-        <a:off x="1835784" y="2526"/>
-        <a:ext cx="5518863" cy="791686"/>
-      </dsp:txXfrm>
-    </dsp:sp>
-    <dsp:sp modelId="{746046B1-0383-4A7B-A0DB-CAA383024208}">
-      <dsp:nvSpPr>
-        <dsp:cNvPr id="0" name=""/>
-        <dsp:cNvSpPr/>
-      </dsp:nvSpPr>
-      <dsp:spPr>
-        <a:xfrm>
-          <a:off x="1242020" y="2526"/>
-          <a:ext cx="791686" cy="791686"/>
-        </a:xfrm>
-        <a:prstGeom prst="ellipse">
-          <a:avLst/>
-        </a:prstGeom>
-        <a:blipFill>
-          <a:blip xmlns:r="http://schemas.openxmlformats.org/officeDocument/2006/relationships" r:embed="rId1" cstate="print">
-            <a:extLst>
-              <a:ext uri="{28A0092B-C50C-407E-A947-70E740481C1C}">
-                <a14:useLocalDpi xmlns:a14="http://schemas.microsoft.com/office/drawing/2010/main" val="0"/>
-              </a:ext>
-            </a:extLst>
-          </a:blip>
-          <a:srcRect/>
-          <a:stretch>
-            <a:fillRect l="-2000" r="-2000"/>
-          </a:stretch>
-        </a:blipFill>
-        <a:ln w="19050" cap="rnd" cmpd="sng" algn="ctr">
-          <a:solidFill>
-            <a:schemeClr val="lt1">
-              <a:hueOff val="0"/>
-              <a:satOff val="0"/>
-              <a:lumOff val="0"/>
-              <a:alphaOff val="0"/>
-            </a:schemeClr>
-          </a:solidFill>
-          <a:prstDash val="solid"/>
-        </a:ln>
-        <a:effectLst/>
-      </dsp:spPr>
-      <dsp:style>
-        <a:lnRef idx="2">
-          <a:scrgbClr r="0" g="0" b="0"/>
-        </a:lnRef>
-        <a:fillRef idx="1">
-          <a:scrgbClr r="0" g="0" b="0"/>
-        </a:fillRef>
-        <a:effectRef idx="0">
-          <a:scrgbClr r="0" g="0" b="0"/>
-        </a:effectRef>
-        <a:fontRef idx="minor"/>
-      </dsp:style>
-    </dsp:sp>
-    <dsp:sp modelId="{E4757EC7-F632-4E21-A82E-3D35AD1B7C94}">
-      <dsp:nvSpPr>
-        <dsp:cNvPr id="0" name=""/>
-        <dsp:cNvSpPr/>
-      </dsp:nvSpPr>
-      <dsp:spPr>
-        <a:xfrm rot="10800000">
-          <a:off x="1637863" y="1030537"/>
-          <a:ext cx="5716784" cy="791686"/>
-        </a:xfrm>
-        <a:prstGeom prst="homePlate">
-          <a:avLst/>
-        </a:prstGeom>
-        <a:solidFill>
-          <a:schemeClr val="accent1">
-            <a:hueOff val="0"/>
-            <a:satOff val="0"/>
-            <a:lumOff val="0"/>
-            <a:alphaOff val="0"/>
-          </a:schemeClr>
-        </a:solidFill>
-        <a:ln w="19050" cap="rnd" cmpd="sng" algn="ctr">
-          <a:solidFill>
-            <a:schemeClr val="lt1">
-              <a:hueOff val="0"/>
-              <a:satOff val="0"/>
-              <a:lumOff val="0"/>
-              <a:alphaOff val="0"/>
-            </a:schemeClr>
-          </a:solidFill>
-          <a:prstDash val="solid"/>
-        </a:ln>
-        <a:effectLst/>
-      </dsp:spPr>
-      <dsp:style>
-        <a:lnRef idx="2">
-          <a:scrgbClr r="0" g="0" b="0"/>
-        </a:lnRef>
-        <a:fillRef idx="1">
-          <a:scrgbClr r="0" g="0" b="0"/>
-        </a:fillRef>
-        <a:effectRef idx="0">
-          <a:scrgbClr r="0" g="0" b="0"/>
-        </a:effectRef>
-        <a:fontRef idx="minor">
-          <a:schemeClr val="lt1"/>
-        </a:fontRef>
-      </dsp:style>
-      <dsp:txBody>
-        <a:bodyPr spcFirstLastPara="0" vert="horz" wrap="square" lIns="349112" tIns="80010" rIns="149352" bIns="80010" numCol="1" spcCol="1270" anchor="t" anchorCtr="0">
-          <a:noAutofit/>
-        </a:bodyPr>
-        <a:lstStyle/>
-        <a:p>
-          <a:pPr lvl="0" algn="l" defTabSz="933450" rtl="0">
-            <a:lnSpc>
-              <a:spcPct val="90000"/>
-            </a:lnSpc>
-            <a:spcBef>
-              <a:spcPct val="0"/>
-            </a:spcBef>
-            <a:spcAft>
-              <a:spcPct val="35000"/>
-            </a:spcAft>
-          </a:pPr>
-          <a:r>
-            <a:rPr lang="es-CL" sz="2100" kern="1200" dirty="0" smtClean="0"/>
-            <a:t>Visual Basic</a:t>
-          </a:r>
-          <a:endParaRPr lang="es-CL" sz="2100" kern="1200" dirty="0"/>
-        </a:p>
-        <a:p>
-          <a:pPr marL="171450" lvl="1" indent="-171450" algn="l" defTabSz="711200" rtl="0">
-            <a:lnSpc>
-              <a:spcPct val="90000"/>
-            </a:lnSpc>
-            <a:spcBef>
-              <a:spcPct val="0"/>
-            </a:spcBef>
-            <a:spcAft>
-              <a:spcPct val="15000"/>
-            </a:spcAft>
-            <a:buChar char="••"/>
-          </a:pPr>
-          <a:r>
-            <a:rPr lang="es-CL" sz="1600" kern="1200" smtClean="0"/>
-            <a:t>Aplicación Escritorio.</a:t>
-          </a:r>
-          <a:endParaRPr lang="es-CL" sz="1600" kern="1200"/>
-        </a:p>
-      </dsp:txBody>
-      <dsp:txXfrm rot="10800000">
-        <a:off x="1835784" y="1030537"/>
-        <a:ext cx="5518863" cy="791686"/>
-      </dsp:txXfrm>
-    </dsp:sp>
-    <dsp:sp modelId="{E9924EC5-E64E-433B-84C8-69C887ACE99C}">
-      <dsp:nvSpPr>
-        <dsp:cNvPr id="0" name=""/>
-        <dsp:cNvSpPr/>
-      </dsp:nvSpPr>
-      <dsp:spPr>
-        <a:xfrm>
-          <a:off x="1242020" y="1030537"/>
-          <a:ext cx="791686" cy="791686"/>
-        </a:xfrm>
-        <a:prstGeom prst="ellipse">
-          <a:avLst/>
-        </a:prstGeom>
-        <a:blipFill>
-          <a:blip xmlns:r="http://schemas.openxmlformats.org/officeDocument/2006/relationships" r:embed="rId2">
-            <a:extLst>
-              <a:ext uri="{28A0092B-C50C-407E-A947-70E740481C1C}">
-                <a14:useLocalDpi xmlns:a14="http://schemas.microsoft.com/office/drawing/2010/main" val="0"/>
-              </a:ext>
-            </a:extLst>
-          </a:blip>
-          <a:srcRect/>
-          <a:stretch>
-            <a:fillRect l="-23000" r="-23000"/>
-          </a:stretch>
-        </a:blipFill>
-        <a:ln w="19050" cap="rnd" cmpd="sng" algn="ctr">
-          <a:solidFill>
-            <a:schemeClr val="lt1">
-              <a:hueOff val="0"/>
-              <a:satOff val="0"/>
-              <a:lumOff val="0"/>
-              <a:alphaOff val="0"/>
-            </a:schemeClr>
-          </a:solidFill>
-          <a:prstDash val="solid"/>
-        </a:ln>
-        <a:effectLst/>
-      </dsp:spPr>
-      <dsp:style>
-        <a:lnRef idx="2">
-          <a:scrgbClr r="0" g="0" b="0"/>
-        </a:lnRef>
-        <a:fillRef idx="1">
-          <a:scrgbClr r="0" g="0" b="0"/>
-        </a:fillRef>
-        <a:effectRef idx="0">
-          <a:scrgbClr r="0" g="0" b="0"/>
-        </a:effectRef>
-        <a:fontRef idx="minor"/>
-      </dsp:style>
-    </dsp:sp>
-    <dsp:sp modelId="{B4595348-008C-4126-B8BA-1AE798A54DD4}">
-      <dsp:nvSpPr>
-        <dsp:cNvPr id="0" name=""/>
-        <dsp:cNvSpPr/>
-      </dsp:nvSpPr>
-      <dsp:spPr>
-        <a:xfrm rot="10800000">
-          <a:off x="1637863" y="2058548"/>
-          <a:ext cx="5716784" cy="791686"/>
-        </a:xfrm>
-        <a:prstGeom prst="homePlate">
-          <a:avLst/>
-        </a:prstGeom>
-        <a:solidFill>
-          <a:schemeClr val="accent1">
-            <a:hueOff val="0"/>
-            <a:satOff val="0"/>
-            <a:lumOff val="0"/>
-            <a:alphaOff val="0"/>
-          </a:schemeClr>
-        </a:solidFill>
-        <a:ln w="19050" cap="rnd" cmpd="sng" algn="ctr">
-          <a:solidFill>
-            <a:schemeClr val="lt1">
-              <a:hueOff val="0"/>
-              <a:satOff val="0"/>
-              <a:lumOff val="0"/>
-              <a:alphaOff val="0"/>
-            </a:schemeClr>
-          </a:solidFill>
-          <a:prstDash val="solid"/>
-        </a:ln>
-        <a:effectLst/>
-      </dsp:spPr>
-      <dsp:style>
-        <a:lnRef idx="2">
-          <a:scrgbClr r="0" g="0" b="0"/>
-        </a:lnRef>
-        <a:fillRef idx="1">
-          <a:scrgbClr r="0" g="0" b="0"/>
-        </a:fillRef>
-        <a:effectRef idx="0">
-          <a:scrgbClr r="0" g="0" b="0"/>
-        </a:effectRef>
-        <a:fontRef idx="minor">
-          <a:schemeClr val="lt1"/>
-        </a:fontRef>
-      </dsp:style>
-      <dsp:txBody>
-        <a:bodyPr spcFirstLastPara="0" vert="horz" wrap="square" lIns="349112" tIns="80010" rIns="149352" bIns="80010" numCol="1" spcCol="1270" anchor="t" anchorCtr="0">
-          <a:noAutofit/>
-        </a:bodyPr>
-        <a:lstStyle/>
-        <a:p>
-          <a:pPr lvl="0" algn="l" defTabSz="933450" rtl="0">
-            <a:lnSpc>
-              <a:spcPct val="90000"/>
-            </a:lnSpc>
-            <a:spcBef>
-              <a:spcPct val="0"/>
-            </a:spcBef>
-            <a:spcAft>
-              <a:spcPct val="35000"/>
-            </a:spcAft>
-          </a:pPr>
-          <a:r>
-            <a:rPr lang="es-CL" sz="2100" kern="1200" dirty="0" smtClean="0"/>
-            <a:t>Microsoft Project, Office, PowerPoint</a:t>
-          </a:r>
-          <a:endParaRPr lang="es-CL" sz="2100" kern="1200" dirty="0"/>
-        </a:p>
-        <a:p>
-          <a:pPr marL="171450" lvl="1" indent="-171450" algn="l" defTabSz="711200" rtl="0">
-            <a:lnSpc>
-              <a:spcPct val="90000"/>
-            </a:lnSpc>
-            <a:spcBef>
-              <a:spcPct val="0"/>
-            </a:spcBef>
-            <a:spcAft>
-              <a:spcPct val="15000"/>
-            </a:spcAft>
-            <a:buChar char="••"/>
-          </a:pPr>
-          <a:r>
-            <a:rPr lang="es-CL" sz="1600" kern="1200" smtClean="0"/>
-            <a:t>Documentación.</a:t>
-          </a:r>
-          <a:endParaRPr lang="es-CL" sz="1600" kern="1200"/>
-        </a:p>
-      </dsp:txBody>
-      <dsp:txXfrm rot="10800000">
-        <a:off x="1835784" y="2058548"/>
-        <a:ext cx="5518863" cy="791686"/>
-      </dsp:txXfrm>
-    </dsp:sp>
-    <dsp:sp modelId="{9567FE16-12FC-4901-9921-C64EB82B588A}">
-      <dsp:nvSpPr>
-        <dsp:cNvPr id="0" name=""/>
-        <dsp:cNvSpPr/>
-      </dsp:nvSpPr>
-      <dsp:spPr>
-        <a:xfrm>
-          <a:off x="1242020" y="2058548"/>
-          <a:ext cx="791686" cy="791686"/>
-        </a:xfrm>
-        <a:prstGeom prst="ellipse">
-          <a:avLst/>
-        </a:prstGeom>
-        <a:blipFill>
-          <a:blip xmlns:r="http://schemas.openxmlformats.org/officeDocument/2006/relationships" r:embed="rId3" cstate="print">
-            <a:extLst>
-              <a:ext uri="{28A0092B-C50C-407E-A947-70E740481C1C}">
-                <a14:useLocalDpi xmlns:a14="http://schemas.microsoft.com/office/drawing/2010/main" val="0"/>
-              </a:ext>
-            </a:extLst>
-          </a:blip>
-          <a:srcRect/>
-          <a:stretch>
-            <a:fillRect l="-13000" r="-13000"/>
-          </a:stretch>
-        </a:blipFill>
-        <a:ln w="19050" cap="rnd" cmpd="sng" algn="ctr">
-          <a:solidFill>
-            <a:schemeClr val="lt1">
-              <a:hueOff val="0"/>
-              <a:satOff val="0"/>
-              <a:lumOff val="0"/>
-              <a:alphaOff val="0"/>
-            </a:schemeClr>
-          </a:solidFill>
-          <a:prstDash val="solid"/>
-        </a:ln>
-        <a:effectLst/>
-      </dsp:spPr>
-      <dsp:style>
-        <a:lnRef idx="2">
-          <a:scrgbClr r="0" g="0" b="0"/>
-        </a:lnRef>
-        <a:fillRef idx="1">
-          <a:scrgbClr r="0" g="0" b="0"/>
-        </a:fillRef>
-        <a:effectRef idx="0">
-          <a:scrgbClr r="0" g="0" b="0"/>
-        </a:effectRef>
-        <a:fontRef idx="minor"/>
-      </dsp:style>
-    </dsp:sp>
-    <dsp:sp modelId="{3D0EE9D9-4D83-4EF0-9AFE-AA44E4307863}">
-      <dsp:nvSpPr>
-        <dsp:cNvPr id="0" name=""/>
-        <dsp:cNvSpPr/>
-      </dsp:nvSpPr>
-      <dsp:spPr>
-        <a:xfrm rot="10800000">
-          <a:off x="1637863" y="3086559"/>
-          <a:ext cx="5716784" cy="791686"/>
-        </a:xfrm>
-        <a:prstGeom prst="homePlate">
-          <a:avLst/>
-        </a:prstGeom>
-        <a:solidFill>
-          <a:schemeClr val="accent1">
-            <a:hueOff val="0"/>
-            <a:satOff val="0"/>
-            <a:lumOff val="0"/>
-            <a:alphaOff val="0"/>
-          </a:schemeClr>
-        </a:solidFill>
-        <a:ln w="19050" cap="rnd" cmpd="sng" algn="ctr">
-          <a:solidFill>
-            <a:schemeClr val="lt1">
-              <a:hueOff val="0"/>
-              <a:satOff val="0"/>
-              <a:lumOff val="0"/>
-              <a:alphaOff val="0"/>
-            </a:schemeClr>
-          </a:solidFill>
-          <a:prstDash val="solid"/>
-        </a:ln>
-        <a:effectLst/>
-      </dsp:spPr>
-      <dsp:style>
-        <a:lnRef idx="2">
-          <a:scrgbClr r="0" g="0" b="0"/>
-        </a:lnRef>
-        <a:fillRef idx="1">
-          <a:scrgbClr r="0" g="0" b="0"/>
-        </a:fillRef>
-        <a:effectRef idx="0">
-          <a:scrgbClr r="0" g="0" b="0"/>
-        </a:effectRef>
-        <a:fontRef idx="minor">
-          <a:schemeClr val="lt1"/>
-        </a:fontRef>
-      </dsp:style>
-      <dsp:txBody>
-        <a:bodyPr spcFirstLastPara="0" vert="horz" wrap="square" lIns="349112" tIns="80010" rIns="149352" bIns="80010" numCol="1" spcCol="1270" anchor="t" anchorCtr="0">
-          <a:noAutofit/>
-        </a:bodyPr>
-        <a:lstStyle/>
-        <a:p>
-          <a:pPr lvl="0" algn="l" defTabSz="933450" rtl="0">
-            <a:lnSpc>
-              <a:spcPct val="90000"/>
-            </a:lnSpc>
-            <a:spcBef>
-              <a:spcPct val="0"/>
-            </a:spcBef>
-            <a:spcAft>
-              <a:spcPct val="35000"/>
-            </a:spcAft>
-          </a:pPr>
-          <a:r>
-            <a:rPr lang="es-CL" sz="2100" kern="1200" dirty="0" err="1" smtClean="0"/>
-            <a:t>Cacoo</a:t>
-          </a:r>
-          <a:endParaRPr lang="es-CL" sz="2100" kern="1200" dirty="0"/>
-        </a:p>
-        <a:p>
-          <a:pPr marL="171450" lvl="1" indent="-171450" algn="l" defTabSz="711200" rtl="0">
-            <a:lnSpc>
-              <a:spcPct val="90000"/>
-            </a:lnSpc>
-            <a:spcBef>
-              <a:spcPct val="0"/>
-            </a:spcBef>
-            <a:spcAft>
-              <a:spcPct val="15000"/>
-            </a:spcAft>
-            <a:buChar char="••"/>
-          </a:pPr>
-          <a:r>
-            <a:rPr lang="es-CL" sz="1600" kern="1200" smtClean="0"/>
-            <a:t>Diagramas.</a:t>
-          </a:r>
-          <a:endParaRPr lang="es-CL" sz="1600" kern="1200"/>
-        </a:p>
-      </dsp:txBody>
-      <dsp:txXfrm rot="10800000">
-        <a:off x="1835784" y="3086559"/>
-        <a:ext cx="5518863" cy="791686"/>
-      </dsp:txXfrm>
-    </dsp:sp>
-    <dsp:sp modelId="{7656DF39-E045-4443-80FD-E1C2A4984F21}">
-      <dsp:nvSpPr>
-        <dsp:cNvPr id="0" name=""/>
-        <dsp:cNvSpPr/>
-      </dsp:nvSpPr>
-      <dsp:spPr>
-        <a:xfrm>
-          <a:off x="1242020" y="3086559"/>
-          <a:ext cx="791686" cy="791686"/>
-        </a:xfrm>
-        <a:prstGeom prst="ellipse">
-          <a:avLst/>
-        </a:prstGeom>
-        <a:blipFill>
-          <a:blip xmlns:r="http://schemas.openxmlformats.org/officeDocument/2006/relationships" r:embed="rId4" cstate="print">
-            <a:extLst>
-              <a:ext uri="{28A0092B-C50C-407E-A947-70E740481C1C}">
-                <a14:useLocalDpi xmlns:a14="http://schemas.microsoft.com/office/drawing/2010/main" val="0"/>
-              </a:ext>
-            </a:extLst>
-          </a:blip>
-          <a:srcRect/>
-          <a:stretch>
-            <a:fillRect/>
-          </a:stretch>
-        </a:blipFill>
-        <a:ln w="19050" cap="rnd" cmpd="sng" algn="ctr">
-          <a:solidFill>
-            <a:schemeClr val="lt1">
-              <a:hueOff val="0"/>
-              <a:satOff val="0"/>
-              <a:lumOff val="0"/>
-              <a:alphaOff val="0"/>
-            </a:schemeClr>
-          </a:solidFill>
-          <a:prstDash val="solid"/>
-        </a:ln>
-        <a:effectLst/>
-      </dsp:spPr>
-      <dsp:style>
-        <a:lnRef idx="2">
-          <a:scrgbClr r="0" g="0" b="0"/>
-        </a:lnRef>
-        <a:fillRef idx="1">
-          <a:scrgbClr r="0" g="0" b="0"/>
-        </a:fillRef>
-        <a:effectRef idx="0">
-          <a:scrgbClr r="0" g="0" b="0"/>
-        </a:effectRef>
-        <a:fontRef idx="minor"/>
-      </dsp:style>
-    </dsp:sp>
   </dsp:spTree>
 </dsp:drawing>
 </file>
@@ -15689,6 +14788,88 @@
           <a:p>
             <a:r>
               <a:rPr lang="es-CL" dirty="0" smtClean="0"/>
+              <a:t>Diagrama Casos de Uso</a:t>
+            </a:r>
+            <a:endParaRPr lang="es-CL" dirty="0"/>
+          </a:p>
+        </p:txBody>
+      </p:sp>
+      <p:pic>
+        <p:nvPicPr>
+          <p:cNvPr id="4" name="Marcador de contenido 3"/>
+          <p:cNvPicPr>
+            <a:picLocks noGrp="1" noChangeAspect="1"/>
+          </p:cNvPicPr>
+          <p:nvPr>
+            <p:ph idx="1"/>
+          </p:nvPr>
+        </p:nvPicPr>
+        <p:blipFill>
+          <a:blip r:embed="rId2" cstate="print">
+            <a:extLst>
+              <a:ext uri="{28A0092B-C50C-407E-A947-70E740481C1C}">
+                <a14:useLocalDpi xmlns:a14="http://schemas.microsoft.com/office/drawing/2010/main" val="0"/>
+              </a:ext>
+            </a:extLst>
+          </a:blip>
+          <a:stretch>
+            <a:fillRect/>
+          </a:stretch>
+        </p:blipFill>
+        <p:spPr>
+          <a:xfrm>
+            <a:off x="1943101" y="1296645"/>
+            <a:ext cx="7055426" cy="5093764"/>
+          </a:xfrm>
+        </p:spPr>
+      </p:pic>
+    </p:spTree>
+    <p:extLst>
+      <p:ext uri="{BB962C8B-B14F-4D97-AF65-F5344CB8AC3E}">
+        <p14:creationId xmlns:p14="http://schemas.microsoft.com/office/powerpoint/2010/main" val="3849276887"/>
+      </p:ext>
+    </p:extLst>
+  </p:cSld>
+  <p:clrMapOvr>
+    <a:masterClrMapping/>
+  </p:clrMapOvr>
+</p:sld>
+</file>
+
+<file path=ppt/slides/slide12.xml><?xml version="1.0" encoding="utf-8"?>
+<p:sld xmlns:a="http://schemas.openxmlformats.org/drawingml/2006/main" xmlns:r="http://schemas.openxmlformats.org/officeDocument/2006/relationships" xmlns:p="http://schemas.openxmlformats.org/presentationml/2006/main">
+  <p:cSld>
+    <p:spTree>
+      <p:nvGrpSpPr>
+        <p:cNvPr id="1" name=""/>
+        <p:cNvGrpSpPr/>
+        <p:nvPr/>
+      </p:nvGrpSpPr>
+      <p:grpSpPr>
+        <a:xfrm>
+          <a:off x="0" y="0"/>
+          <a:ext cx="0" cy="0"/>
+          <a:chOff x="0" y="0"/>
+          <a:chExt cx="0" cy="0"/>
+        </a:xfrm>
+      </p:grpSpPr>
+      <p:sp>
+        <p:nvSpPr>
+          <p:cNvPr id="2" name="Título 1"/>
+          <p:cNvSpPr>
+            <a:spLocks noGrp="1"/>
+          </p:cNvSpPr>
+          <p:nvPr>
+            <p:ph type="title"/>
+          </p:nvPr>
+        </p:nvSpPr>
+        <p:spPr/>
+        <p:txBody>
+          <a:bodyPr/>
+          <a:lstStyle/>
+          <a:p>
+            <a:r>
+              <a:rPr lang="es-CL" dirty="0" smtClean="0"/>
               <a:t>Casos de Uso</a:t>
             </a:r>
             <a:endParaRPr lang="es-CL" dirty="0"/>
@@ -15733,7 +14914,7 @@
 </p:sld>
 </file>
 
-<file path=ppt/slides/slide12.xml><?xml version="1.0" encoding="utf-8"?>
+<file path=ppt/slides/slide13.xml><?xml version="1.0" encoding="utf-8"?>
 <p:sld xmlns:a="http://schemas.openxmlformats.org/drawingml/2006/main" xmlns:r="http://schemas.openxmlformats.org/officeDocument/2006/relationships" xmlns:p="http://schemas.openxmlformats.org/presentationml/2006/main">
   <p:cSld>
     <p:spTree>
@@ -15814,7 +14995,7 @@
 </p:sld>
 </file>
 
-<file path=ppt/slides/slide13.xml><?xml version="1.0" encoding="utf-8"?>
+<file path=ppt/slides/slide14.xml><?xml version="1.0" encoding="utf-8"?>
 <p:sld xmlns:a="http://schemas.openxmlformats.org/drawingml/2006/main" xmlns:r="http://schemas.openxmlformats.org/officeDocument/2006/relationships" xmlns:p="http://schemas.openxmlformats.org/presentationml/2006/main">
   <p:cSld>
     <p:spTree>
@@ -15934,7 +15115,7 @@
 </p:sld>
 </file>
 
-<file path=ppt/slides/slide14.xml><?xml version="1.0" encoding="utf-8"?>
+<file path=ppt/slides/slide15.xml><?xml version="1.0" encoding="utf-8"?>
 <p:sld xmlns:a="http://schemas.openxmlformats.org/drawingml/2006/main" xmlns:r="http://schemas.openxmlformats.org/officeDocument/2006/relationships" xmlns:p="http://schemas.openxmlformats.org/presentationml/2006/main">
   <p:cSld>
     <p:spTree>
@@ -16069,13 +15250,8 @@
             <a:pPr lvl="1"/>
             <a:r>
               <a:rPr lang="es-CL" dirty="0" smtClean="0"/>
-              <a:t>Problemas asociados al </a:t>
+              <a:t>Problemas asociados al estudiante (malas notas, conducta).</a:t>
             </a:r>
-            <a:r>
-              <a:rPr lang="es-CL" dirty="0" smtClean="0"/>
-              <a:t>estudiante (malas notas, conducta).</a:t>
-            </a:r>
-            <a:endParaRPr lang="es-CL" dirty="0" smtClean="0"/>
           </a:p>
           <a:p>
             <a:pPr lvl="1"/>
@@ -16087,11 +15263,7 @@
           <a:p>
             <a:r>
               <a:rPr lang="es-CL" dirty="0" smtClean="0"/>
-              <a:t>No existencia de un software que entregue las </a:t>
-            </a:r>
-            <a:r>
-              <a:rPr lang="es-CL" dirty="0" smtClean="0"/>
-              <a:t>evaluaciones.</a:t>
+              <a:t>No existencia de un software que entregue las evaluaciones.</a:t>
             </a:r>
           </a:p>
           <a:p>
@@ -16105,13 +15277,6 @@
               </a:rPr>
               <a:t>Libro de clases virtual.</a:t>
             </a:r>
-            <a:endParaRPr lang="es-CL" sz="2400" dirty="0" smtClean="0">
-              <a:solidFill>
-                <a:schemeClr val="accent2">
-                  <a:lumMod val="75000"/>
-                </a:schemeClr>
-              </a:solidFill>
-            </a:endParaRPr>
           </a:p>
           <a:p>
             <a:endParaRPr lang="es-CL" dirty="0" smtClean="0"/>
@@ -16718,11 +15883,7 @@
             <a:pPr lvl="1"/>
             <a:r>
               <a:rPr lang="es-CL" dirty="0" smtClean="0"/>
-              <a:t>Iterativo </a:t>
-            </a:r>
-            <a:r>
-              <a:rPr lang="es-CL" dirty="0" smtClean="0"/>
-              <a:t>incremental</a:t>
+              <a:t>Iterativo incremental</a:t>
             </a:r>
             <a:endParaRPr lang="es-CL" dirty="0"/>
           </a:p>
@@ -16919,11 +16080,7 @@
           <a:p>
             <a:r>
               <a:rPr lang="es-CL" dirty="0" smtClean="0"/>
-              <a:t>Carta </a:t>
-            </a:r>
-            <a:r>
-              <a:rPr lang="es-CL" dirty="0" smtClean="0"/>
-              <a:t>Gantt (mostrar)</a:t>
+              <a:t>Carta Gantt (mostrar)</a:t>
             </a:r>
             <a:endParaRPr lang="es-CL" dirty="0"/>
           </a:p>
